--- a/项目文档/PBLF项目.pptx
+++ b/项目文档/PBLF项目.pptx
@@ -266,7 +266,7 @@
                 <a:latin typeface="Microsoft YaHei UI" panose="020B0503020204020204" pitchFamily="34" charset="-122"/>
                 <a:ea typeface="Microsoft YaHei UI" panose="020B0503020204020204" pitchFamily="34" charset="-122"/>
               </a:rPr>
-              <a:t>2023/12/19</a:t>
+              <a:t>2023/12/20</a:t>
             </a:fld>
             <a:endParaRPr lang="zh-CN" altLang="en-US">
               <a:latin typeface="Microsoft YaHei UI" panose="020B0503020204020204" pitchFamily="34" charset="-122"/>
@@ -464,7 +464,7 @@
           <a:p>
             <a:fld id="{BB112E5E-3D69-4B41-89B7-8E00C07E7191}" type="datetime1">
               <a:rPr lang="zh-CN" altLang="en-US" noProof="0" smtClean="0"/>
-              <a:t>2023/12/19</a:t>
+              <a:t>2023/12/20</a:t>
             </a:fld>
             <a:endParaRPr lang="zh-CN" altLang="en-US" noProof="0"/>
           </a:p>
@@ -10516,7 +10516,7 @@
             <a:pPr rtl="0"/>
             <a:r>
               <a:rPr lang="zh-CN" altLang="en-US" dirty="0"/>
-              <a:t>链表建立函数</a:t>
+              <a:t>初始化函数</a:t>
             </a:r>
           </a:p>
         </p:txBody>
@@ -11561,8 +11561,8 @@
         </p:nvSpPr>
         <p:spPr>
           <a:xfrm>
-            <a:off x="2595573" y="2922014"/>
-            <a:ext cx="6675697" cy="2095501"/>
+            <a:off x="1718435" y="2381249"/>
+            <a:ext cx="8066077" cy="2095501"/>
           </a:xfrm>
         </p:spPr>
         <p:txBody>
@@ -11574,7 +11574,7 @@
             <a:pPr rtl="0"/>
             <a:r>
               <a:rPr lang="zh-CN" altLang="en-US" dirty="0"/>
-              <a:t>保存文件和摧毁函数</a:t>
+              <a:t>保存文件和删除链表函数</a:t>
             </a:r>
           </a:p>
         </p:txBody>
@@ -11671,7 +11671,7 @@
         </p:blipFill>
         <p:spPr>
           <a:xfrm>
-            <a:off x="34803" y="1712171"/>
+            <a:off x="17401" y="1484565"/>
             <a:ext cx="12157197" cy="3888867"/>
           </a:xfrm>
           <a:prstGeom prst="rect">
@@ -11731,7 +11731,7 @@
         </p:blipFill>
         <p:spPr>
           <a:xfrm>
-            <a:off x="2396741" y="17166"/>
+            <a:off x="2407488" y="0"/>
             <a:ext cx="6977108" cy="6840834"/>
           </a:xfrm>
           <a:prstGeom prst="rect">
@@ -11791,7 +11791,7 @@
         </p:blipFill>
         <p:spPr>
           <a:xfrm>
-            <a:off x="128493" y="1865711"/>
+            <a:off x="111091" y="1617017"/>
             <a:ext cx="11969816" cy="3606800"/>
           </a:xfrm>
           <a:prstGeom prst="rect">
@@ -19442,15 +19442,6 @@
 </file>
 
 <file path=customXml/item1.xml><?xml version="1.0" encoding="utf-8"?>
-<?mso-contentType ?>
-<FormTemplates xmlns="http://schemas.microsoft.com/sharepoint/v3/contenttype/forms">
-  <Display>DocumentLibraryForm</Display>
-  <Edit>DocumentLibraryForm</Edit>
-  <New>DocumentLibraryForm</New>
-</FormTemplates>
-</file>
-
-<file path=customXml/item2.xml><?xml version="1.0" encoding="utf-8"?>
 <ct:contentTypeSchema xmlns:ct="http://schemas.microsoft.com/office/2006/metadata/contentType" xmlns:ma="http://schemas.microsoft.com/office/2006/metadata/properties/metaAttributes" ct:_="" ma:_="" ma:contentTypeName="Document" ma:contentTypeID="0x01010079F111ED35F8CC479449609E8A0923A6" ma:contentTypeVersion="20" ma:contentTypeDescription="Create a new document." ma:contentTypeScope="" ma:versionID="1267097ee5f5874adfcc408041ae252e">
   <xsd:schema xmlns:xsd="http://www.w3.org/2001/XMLSchema" xmlns:xs="http://www.w3.org/2001/XMLSchema" xmlns:p="http://schemas.microsoft.com/office/2006/metadata/properties" xmlns:ns1="http://schemas.microsoft.com/sharepoint/v3" xmlns:ns2="71af3243-3dd4-4a8d-8c0d-dd76da1f02a5" xmlns:ns3="16c05727-aa75-4e4a-9b5f-8a80a1165891" xmlns:ns4="230e9df3-be65-4c73-a93b-d1236ebd677e" targetNamespace="http://schemas.microsoft.com/office/2006/metadata/properties" ma:root="true" ma:fieldsID="395891a93df65b14727750f2c06c306c" ns1:_="" ns2:_="" ns3:_="" ns4:_="">
     <xsd:import namespace="http://schemas.microsoft.com/sharepoint/v3"/>
@@ -19726,6 +19717,15 @@
 </ct:contentTypeSchema>
 </file>
 
+<file path=customXml/item2.xml><?xml version="1.0" encoding="utf-8"?>
+<?mso-contentType ?>
+<FormTemplates xmlns="http://schemas.microsoft.com/sharepoint/v3/contenttype/forms">
+  <Display>DocumentLibraryForm</Display>
+  <Edit>DocumentLibraryForm</Edit>
+  <New>DocumentLibraryForm</New>
+</FormTemplates>
+</file>
+
 <file path=customXml/item3.xml><?xml version="1.0" encoding="utf-8"?>
 <p:properties xmlns:p="http://schemas.microsoft.com/office/2006/metadata/properties" xmlns:xsi="http://www.w3.org/2001/XMLSchema-instance" xmlns:pc="http://schemas.microsoft.com/office/infopath/2007/PartnerControls">
   <documentManagement>
@@ -19746,14 +19746,6 @@
 </file>
 
 <file path=customXml/itemProps1.xml><?xml version="1.0" encoding="utf-8"?>
-<ds:datastoreItem xmlns:ds="http://schemas.openxmlformats.org/officeDocument/2006/customXml" ds:itemID="{AA0EFE35-5C2D-4EEC-93CA-7B3D4088735C}">
-  <ds:schemaRefs>
-    <ds:schemaRef ds:uri="http://schemas.microsoft.com/sharepoint/v3/contenttype/forms"/>
-  </ds:schemaRefs>
-</ds:datastoreItem>
-</file>
-
-<file path=customXml/itemProps2.xml><?xml version="1.0" encoding="utf-8"?>
 <ds:datastoreItem xmlns:ds="http://schemas.openxmlformats.org/officeDocument/2006/customXml" ds:itemID="{33878E47-D7B4-44CA-8507-24783F79A5A1}">
   <ds:schemaRefs>
     <ds:schemaRef ds:uri="http://schemas.microsoft.com/office/2006/metadata/contentType"/>
@@ -19774,6 +19766,14 @@
 </ds:datastoreItem>
 </file>
 
+<file path=customXml/itemProps2.xml><?xml version="1.0" encoding="utf-8"?>
+<ds:datastoreItem xmlns:ds="http://schemas.openxmlformats.org/officeDocument/2006/customXml" ds:itemID="{AA0EFE35-5C2D-4EEC-93CA-7B3D4088735C}">
+  <ds:schemaRefs>
+    <ds:schemaRef ds:uri="http://schemas.microsoft.com/sharepoint/v3/contenttype/forms"/>
+  </ds:schemaRefs>
+</ds:datastoreItem>
+</file>
+
 <file path=customXml/itemProps3.xml><?xml version="1.0" encoding="utf-8"?>
 <ds:datastoreItem xmlns:ds="http://schemas.openxmlformats.org/officeDocument/2006/customXml" ds:itemID="{6251B918-0091-4E96-9E28-42B87D9557A7}">
   <ds:schemaRefs>

--- a/项目文档/PBLF项目.pptx
+++ b/项目文档/PBLF项目.pptx
@@ -266,7 +266,7 @@
                 <a:latin typeface="Microsoft YaHei UI" panose="020B0503020204020204" pitchFamily="34" charset="-122"/>
                 <a:ea typeface="Microsoft YaHei UI" panose="020B0503020204020204" pitchFamily="34" charset="-122"/>
               </a:rPr>
-              <a:t>2023/12/20</a:t>
+              <a:t>2023/12/21</a:t>
             </a:fld>
             <a:endParaRPr lang="zh-CN" altLang="en-US">
               <a:latin typeface="Microsoft YaHei UI" panose="020B0503020204020204" pitchFamily="34" charset="-122"/>
@@ -464,7 +464,7 @@
           <a:p>
             <a:fld id="{BB112E5E-3D69-4B41-89B7-8E00C07E7191}" type="datetime1">
               <a:rPr lang="zh-CN" altLang="en-US" noProof="0" smtClean="0"/>
-              <a:t>2023/12/20</a:t>
+              <a:t>2023/12/21</a:t>
             </a:fld>
             <a:endParaRPr lang="zh-CN" altLang="en-US" noProof="0"/>
           </a:p>
@@ -9063,6 +9063,36 @@
           </a:solidFill>
         </p:spPr>
       </p:pic>
+      <p:pic>
+        <p:nvPicPr>
+          <p:cNvPr id="4" name="图片 3" descr="文本&#10;&#10;描述已自动生成">
+            <a:extLst>
+              <a:ext uri="{FF2B5EF4-FFF2-40B4-BE49-F238E27FC236}">
+                <a16:creationId xmlns:a16="http://schemas.microsoft.com/office/drawing/2014/main" id="{A9815707-FBCB-4F0D-1678-E69408E6834B}"/>
+              </a:ext>
+            </a:extLst>
+          </p:cNvPr>
+          <p:cNvPicPr>
+            <a:picLocks noChangeAspect="1"/>
+          </p:cNvPicPr>
+          <p:nvPr/>
+        </p:nvPicPr>
+        <p:blipFill>
+          <a:blip r:embed="rId4"/>
+          <a:stretch>
+            <a:fillRect/>
+          </a:stretch>
+        </p:blipFill>
+        <p:spPr>
+          <a:xfrm>
+            <a:off x="5405688" y="625659"/>
+            <a:ext cx="6786312" cy="5505733"/>
+          </a:xfrm>
+          <a:prstGeom prst="rect">
+            <a:avLst/>
+          </a:prstGeom>
+        </p:spPr>
+      </p:pic>
     </p:spTree>
     <p:extLst>
       <p:ext uri="{BB962C8B-B14F-4D97-AF65-F5344CB8AC3E}">
@@ -9073,6 +9103,127 @@
   <p:clrMapOvr>
     <a:masterClrMapping/>
   </p:clrMapOvr>
+  <p:timing>
+    <p:tnLst>
+      <p:par>
+        <p:cTn id="1" dur="indefinite" restart="never" nodeType="tmRoot">
+          <p:childTnLst>
+            <p:seq concurrent="1" nextAc="seek">
+              <p:cTn id="2" dur="indefinite" nodeType="mainSeq">
+                <p:childTnLst>
+                  <p:par>
+                    <p:cTn id="3" fill="hold">
+                      <p:stCondLst>
+                        <p:cond delay="indefinite"/>
+                      </p:stCondLst>
+                      <p:childTnLst>
+                        <p:par>
+                          <p:cTn id="4" fill="hold">
+                            <p:stCondLst>
+                              <p:cond delay="0"/>
+                            </p:stCondLst>
+                            <p:childTnLst>
+                              <p:par>
+                                <p:cTn id="5" presetID="2" presetClass="entr" presetSubtype="4" fill="hold" nodeType="clickEffect">
+                                  <p:stCondLst>
+                                    <p:cond delay="0"/>
+                                  </p:stCondLst>
+                                  <p:childTnLst>
+                                    <p:set>
+                                      <p:cBhvr>
+                                        <p:cTn id="6" dur="1" fill="hold">
+                                          <p:stCondLst>
+                                            <p:cond delay="0"/>
+                                          </p:stCondLst>
+                                        </p:cTn>
+                                        <p:tgtEl>
+                                          <p:spTgt spid="4"/>
+                                        </p:tgtEl>
+                                        <p:attrNameLst>
+                                          <p:attrName>style.visibility</p:attrName>
+                                        </p:attrNameLst>
+                                      </p:cBhvr>
+                                      <p:to>
+                                        <p:strVal val="visible"/>
+                                      </p:to>
+                                    </p:set>
+                                    <p:anim calcmode="lin" valueType="num">
+                                      <p:cBhvr additive="base">
+                                        <p:cTn id="7" dur="500" fill="hold"/>
+                                        <p:tgtEl>
+                                          <p:spTgt spid="4"/>
+                                        </p:tgtEl>
+                                        <p:attrNameLst>
+                                          <p:attrName>ppt_x</p:attrName>
+                                        </p:attrNameLst>
+                                      </p:cBhvr>
+                                      <p:tavLst>
+                                        <p:tav tm="0">
+                                          <p:val>
+                                            <p:strVal val="#ppt_x"/>
+                                          </p:val>
+                                        </p:tav>
+                                        <p:tav tm="100000">
+                                          <p:val>
+                                            <p:strVal val="#ppt_x"/>
+                                          </p:val>
+                                        </p:tav>
+                                      </p:tavLst>
+                                    </p:anim>
+                                    <p:anim calcmode="lin" valueType="num">
+                                      <p:cBhvr additive="base">
+                                        <p:cTn id="8" dur="500" fill="hold"/>
+                                        <p:tgtEl>
+                                          <p:spTgt spid="4"/>
+                                        </p:tgtEl>
+                                        <p:attrNameLst>
+                                          <p:attrName>ppt_y</p:attrName>
+                                        </p:attrNameLst>
+                                      </p:cBhvr>
+                                      <p:tavLst>
+                                        <p:tav tm="0">
+                                          <p:val>
+                                            <p:strVal val="1+#ppt_h/2"/>
+                                          </p:val>
+                                        </p:tav>
+                                        <p:tav tm="100000">
+                                          <p:val>
+                                            <p:strVal val="#ppt_y"/>
+                                          </p:val>
+                                        </p:tav>
+                                      </p:tavLst>
+                                    </p:anim>
+                                  </p:childTnLst>
+                                </p:cTn>
+                              </p:par>
+                            </p:childTnLst>
+                          </p:cTn>
+                        </p:par>
+                      </p:childTnLst>
+                    </p:cTn>
+                  </p:par>
+                </p:childTnLst>
+              </p:cTn>
+              <p:prevCondLst>
+                <p:cond evt="onPrev" delay="0">
+                  <p:tgtEl>
+                    <p:sldTgt/>
+                  </p:tgtEl>
+                </p:cond>
+              </p:prevCondLst>
+              <p:nextCondLst>
+                <p:cond evt="onNext" delay="0">
+                  <p:tgtEl>
+                    <p:sldTgt/>
+                  </p:tgtEl>
+                </p:cond>
+              </p:nextCondLst>
+            </p:seq>
+          </p:childTnLst>
+        </p:cTn>
+      </p:par>
+    </p:tnLst>
+  </p:timing>
 </p:sld>
 </file>
 
@@ -19442,6 +19593,15 @@
 </file>
 
 <file path=customXml/item1.xml><?xml version="1.0" encoding="utf-8"?>
+<?mso-contentType ?>
+<FormTemplates xmlns="http://schemas.microsoft.com/sharepoint/v3/contenttype/forms">
+  <Display>DocumentLibraryForm</Display>
+  <Edit>DocumentLibraryForm</Edit>
+  <New>DocumentLibraryForm</New>
+</FormTemplates>
+</file>
+
+<file path=customXml/item2.xml><?xml version="1.0" encoding="utf-8"?>
 <ct:contentTypeSchema xmlns:ct="http://schemas.microsoft.com/office/2006/metadata/contentType" xmlns:ma="http://schemas.microsoft.com/office/2006/metadata/properties/metaAttributes" ct:_="" ma:_="" ma:contentTypeName="Document" ma:contentTypeID="0x01010079F111ED35F8CC479449609E8A0923A6" ma:contentTypeVersion="20" ma:contentTypeDescription="Create a new document." ma:contentTypeScope="" ma:versionID="1267097ee5f5874adfcc408041ae252e">
   <xsd:schema xmlns:xsd="http://www.w3.org/2001/XMLSchema" xmlns:xs="http://www.w3.org/2001/XMLSchema" xmlns:p="http://schemas.microsoft.com/office/2006/metadata/properties" xmlns:ns1="http://schemas.microsoft.com/sharepoint/v3" xmlns:ns2="71af3243-3dd4-4a8d-8c0d-dd76da1f02a5" xmlns:ns3="16c05727-aa75-4e4a-9b5f-8a80a1165891" xmlns:ns4="230e9df3-be65-4c73-a93b-d1236ebd677e" targetNamespace="http://schemas.microsoft.com/office/2006/metadata/properties" ma:root="true" ma:fieldsID="395891a93df65b14727750f2c06c306c" ns1:_="" ns2:_="" ns3:_="" ns4:_="">
     <xsd:import namespace="http://schemas.microsoft.com/sharepoint/v3"/>
@@ -19717,15 +19877,6 @@
 </ct:contentTypeSchema>
 </file>
 
-<file path=customXml/item2.xml><?xml version="1.0" encoding="utf-8"?>
-<?mso-contentType ?>
-<FormTemplates xmlns="http://schemas.microsoft.com/sharepoint/v3/contenttype/forms">
-  <Display>DocumentLibraryForm</Display>
-  <Edit>DocumentLibraryForm</Edit>
-  <New>DocumentLibraryForm</New>
-</FormTemplates>
-</file>
-
 <file path=customXml/item3.xml><?xml version="1.0" encoding="utf-8"?>
 <p:properties xmlns:p="http://schemas.microsoft.com/office/2006/metadata/properties" xmlns:xsi="http://www.w3.org/2001/XMLSchema-instance" xmlns:pc="http://schemas.microsoft.com/office/infopath/2007/PartnerControls">
   <documentManagement>
@@ -19746,6 +19897,14 @@
 </file>
 
 <file path=customXml/itemProps1.xml><?xml version="1.0" encoding="utf-8"?>
+<ds:datastoreItem xmlns:ds="http://schemas.openxmlformats.org/officeDocument/2006/customXml" ds:itemID="{AA0EFE35-5C2D-4EEC-93CA-7B3D4088735C}">
+  <ds:schemaRefs>
+    <ds:schemaRef ds:uri="http://schemas.microsoft.com/sharepoint/v3/contenttype/forms"/>
+  </ds:schemaRefs>
+</ds:datastoreItem>
+</file>
+
+<file path=customXml/itemProps2.xml><?xml version="1.0" encoding="utf-8"?>
 <ds:datastoreItem xmlns:ds="http://schemas.openxmlformats.org/officeDocument/2006/customXml" ds:itemID="{33878E47-D7B4-44CA-8507-24783F79A5A1}">
   <ds:schemaRefs>
     <ds:schemaRef ds:uri="http://schemas.microsoft.com/office/2006/metadata/contentType"/>
@@ -19766,14 +19925,6 @@
 </ds:datastoreItem>
 </file>
 
-<file path=customXml/itemProps2.xml><?xml version="1.0" encoding="utf-8"?>
-<ds:datastoreItem xmlns:ds="http://schemas.openxmlformats.org/officeDocument/2006/customXml" ds:itemID="{AA0EFE35-5C2D-4EEC-93CA-7B3D4088735C}">
-  <ds:schemaRefs>
-    <ds:schemaRef ds:uri="http://schemas.microsoft.com/sharepoint/v3/contenttype/forms"/>
-  </ds:schemaRefs>
-</ds:datastoreItem>
-</file>
-
 <file path=customXml/itemProps3.xml><?xml version="1.0" encoding="utf-8"?>
 <ds:datastoreItem xmlns:ds="http://schemas.openxmlformats.org/officeDocument/2006/customXml" ds:itemID="{6251B918-0091-4E96-9E28-42B87D9557A7}">
   <ds:schemaRefs>
